--- a/docs/Iteration_2_Presentation_Deliverable/BNU_Iteration_2_Presentation_Deliverable.pptx
+++ b/docs/Iteration_2_Presentation_Deliverable/BNU_Iteration_2_Presentation_Deliverable.pptx
@@ -17,13 +17,13 @@
     <p:sldId id="272" r:id="rId11"/>
     <p:sldId id="273" r:id="rId12"/>
     <p:sldId id="280" r:id="rId13"/>
-    <p:sldId id="274" r:id="rId14"/>
-    <p:sldId id="275" r:id="rId15"/>
-    <p:sldId id="276" r:id="rId16"/>
-    <p:sldId id="277" r:id="rId17"/>
-    <p:sldId id="278" r:id="rId18"/>
-    <p:sldId id="279" r:id="rId19"/>
-    <p:sldId id="281" r:id="rId20"/>
+    <p:sldId id="281" r:id="rId14"/>
+    <p:sldId id="274" r:id="rId15"/>
+    <p:sldId id="275" r:id="rId16"/>
+    <p:sldId id="276" r:id="rId17"/>
+    <p:sldId id="277" r:id="rId18"/>
+    <p:sldId id="278" r:id="rId19"/>
+    <p:sldId id="279" r:id="rId20"/>
     <p:sldId id="284" r:id="rId21"/>
     <p:sldId id="285" r:id="rId22"/>
     <p:sldId id="286" r:id="rId23"/>
@@ -142,6 +142,11 @@
       </a:defRPr>
     </a:lvl9pPr>
   </p:defaultTextStyle>
+  <p:extLst>
+    <p:ext uri="{EFAFB233-063F-42B5-8137-9DF3F51BA10A}">
+      <p15:sldGuideLst xmlns:p15="http://schemas.microsoft.com/office/powerpoint/2012/main"/>
+    </p:ext>
+  </p:extLst>
 </p:presentation>
 </file>
 
@@ -292,7 +297,7 @@
           <a:p>
             <a:fld id="{028BC95B-D7EF-45F6-AFAD-C75F63351343}" type="datetimeFigureOut">
               <a:rPr lang="en-US" smtClean="0"/>
-              <a:t>10/31/2019</a:t>
+              <a:t>11/1/2019</a:t>
             </a:fld>
             <a:endParaRPr lang="en-US"/>
           </a:p>
@@ -490,7 +495,7 @@
           <a:p>
             <a:fld id="{028BC95B-D7EF-45F6-AFAD-C75F63351343}" type="datetimeFigureOut">
               <a:rPr lang="en-US" smtClean="0"/>
-              <a:t>10/31/2019</a:t>
+              <a:t>11/1/2019</a:t>
             </a:fld>
             <a:endParaRPr lang="en-US"/>
           </a:p>
@@ -698,7 +703,7 @@
           <a:p>
             <a:fld id="{028BC95B-D7EF-45F6-AFAD-C75F63351343}" type="datetimeFigureOut">
               <a:rPr lang="en-US" smtClean="0"/>
-              <a:t>10/31/2019</a:t>
+              <a:t>11/1/2019</a:t>
             </a:fld>
             <a:endParaRPr lang="en-US"/>
           </a:p>
@@ -896,7 +901,7 @@
           <a:p>
             <a:fld id="{028BC95B-D7EF-45F6-AFAD-C75F63351343}" type="datetimeFigureOut">
               <a:rPr lang="en-US" smtClean="0"/>
-              <a:t>10/31/2019</a:t>
+              <a:t>11/1/2019</a:t>
             </a:fld>
             <a:endParaRPr lang="en-US"/>
           </a:p>
@@ -1171,7 +1176,7 @@
           <a:p>
             <a:fld id="{028BC95B-D7EF-45F6-AFAD-C75F63351343}" type="datetimeFigureOut">
               <a:rPr lang="en-US" smtClean="0"/>
-              <a:t>10/31/2019</a:t>
+              <a:t>11/1/2019</a:t>
             </a:fld>
             <a:endParaRPr lang="en-US"/>
           </a:p>
@@ -1436,7 +1441,7 @@
           <a:p>
             <a:fld id="{028BC95B-D7EF-45F6-AFAD-C75F63351343}" type="datetimeFigureOut">
               <a:rPr lang="en-US" smtClean="0"/>
-              <a:t>10/31/2019</a:t>
+              <a:t>11/1/2019</a:t>
             </a:fld>
             <a:endParaRPr lang="en-US"/>
           </a:p>
@@ -1848,7 +1853,7 @@
           <a:p>
             <a:fld id="{028BC95B-D7EF-45F6-AFAD-C75F63351343}" type="datetimeFigureOut">
               <a:rPr lang="en-US" smtClean="0"/>
-              <a:t>10/31/2019</a:t>
+              <a:t>11/1/2019</a:t>
             </a:fld>
             <a:endParaRPr lang="en-US"/>
           </a:p>
@@ -1989,7 +1994,7 @@
           <a:p>
             <a:fld id="{028BC95B-D7EF-45F6-AFAD-C75F63351343}" type="datetimeFigureOut">
               <a:rPr lang="en-US" smtClean="0"/>
-              <a:t>10/31/2019</a:t>
+              <a:t>11/1/2019</a:t>
             </a:fld>
             <a:endParaRPr lang="en-US"/>
           </a:p>
@@ -2102,7 +2107,7 @@
           <a:p>
             <a:fld id="{028BC95B-D7EF-45F6-AFAD-C75F63351343}" type="datetimeFigureOut">
               <a:rPr lang="en-US" smtClean="0"/>
-              <a:t>10/31/2019</a:t>
+              <a:t>11/1/2019</a:t>
             </a:fld>
             <a:endParaRPr lang="en-US"/>
           </a:p>
@@ -2413,7 +2418,7 @@
           <a:p>
             <a:fld id="{028BC95B-D7EF-45F6-AFAD-C75F63351343}" type="datetimeFigureOut">
               <a:rPr lang="en-US" smtClean="0"/>
-              <a:t>10/31/2019</a:t>
+              <a:t>11/1/2019</a:t>
             </a:fld>
             <a:endParaRPr lang="en-US"/>
           </a:p>
@@ -2701,7 +2706,7 @@
           <a:p>
             <a:fld id="{028BC95B-D7EF-45F6-AFAD-C75F63351343}" type="datetimeFigureOut">
               <a:rPr lang="en-US" smtClean="0"/>
-              <a:t>10/31/2019</a:t>
+              <a:t>11/1/2019</a:t>
             </a:fld>
             <a:endParaRPr lang="en-US"/>
           </a:p>
@@ -2942,7 +2947,7 @@
           <a:p>
             <a:fld id="{028BC95B-D7EF-45F6-AFAD-C75F63351343}" type="datetimeFigureOut">
               <a:rPr lang="en-US" smtClean="0"/>
-              <a:t>10/31/2019</a:t>
+              <a:t>11/1/2019</a:t>
             </a:fld>
             <a:endParaRPr lang="en-US"/>
           </a:p>
@@ -3671,10 +3676,17 @@
                 <a:latin typeface="Arial" panose="020B0604020202020204" pitchFamily="34" charset="0"/>
                 <a:cs typeface="Arial" panose="020B0604020202020204" pitchFamily="34" charset="0"/>
               </a:rPr>
-              <a:t>Project Repository: </a:t>
-            </a:r>
-            <a:r>
-              <a:rPr lang="en-US" dirty="0">
+              <a:t>Project Repository</a:t>
+            </a:r>
+            <a:r>
+              <a:rPr lang="en-US">
+                <a:latin typeface="Arial" panose="020B0604020202020204" pitchFamily="34" charset="0"/>
+                <a:cs typeface="Arial" panose="020B0604020202020204" pitchFamily="34" charset="0"/>
+              </a:rPr>
+              <a:t>: </a:t>
+            </a:r>
+            <a:r>
+              <a:rPr lang="en-US">
                 <a:latin typeface="Arial" panose="020B0604020202020204" pitchFamily="34" charset="0"/>
                 <a:cs typeface="Arial" panose="020B0604020202020204" pitchFamily="34" charset="0"/>
                 <a:hlinkClick r:id="rId2"/>
@@ -3954,12 +3966,37 @@
           <a:chExt cx="0" cy="0"/>
         </a:xfrm>
       </p:grpSpPr>
+      <p:sp>
+        <p:nvSpPr>
+          <p:cNvPr id="2" name="Title 1">
+            <a:extLst>
+              <a:ext uri="{FF2B5EF4-FFF2-40B4-BE49-F238E27FC236}">
+                <a16:creationId xmlns:a16="http://schemas.microsoft.com/office/drawing/2014/main" id="{5EE78D6E-B17C-4428-88E7-9EED9EED07FE}"/>
+              </a:ext>
+            </a:extLst>
+          </p:cNvPr>
+          <p:cNvSpPr>
+            <a:spLocks noGrp="1"/>
+          </p:cNvSpPr>
+          <p:nvPr>
+            <p:ph type="ctrTitle"/>
+          </p:nvPr>
+        </p:nvSpPr>
+        <p:spPr/>
+        <p:txBody>
+          <a:bodyPr/>
+          <a:lstStyle/>
+          <a:p>
+            <a:endParaRPr lang="en-US"/>
+          </a:p>
+        </p:txBody>
+      </p:sp>
       <p:pic>
         <p:nvPicPr>
-          <p:cNvPr id="4" name="Picture 3">
-            <a:extLst>
-              <a:ext uri="{FF2B5EF4-FFF2-40B4-BE49-F238E27FC236}">
-                <a16:creationId xmlns:a16="http://schemas.microsoft.com/office/drawing/2014/main" id="{BDA53092-AA55-4075-955A-6374A8B4C0D9}"/>
+          <p:cNvPr id="5" name="Picture 4">
+            <a:extLst>
+              <a:ext uri="{FF2B5EF4-FFF2-40B4-BE49-F238E27FC236}">
+                <a16:creationId xmlns:a16="http://schemas.microsoft.com/office/drawing/2014/main" id="{FE0F7818-F551-4357-8199-1FE2DDC5A394}"/>
               </a:ext>
             </a:extLst>
           </p:cNvPr>
@@ -3982,8 +4019,8 @@
         </p:blipFill>
         <p:spPr>
           <a:xfrm>
-            <a:off x="-1" y="0"/>
-            <a:ext cx="11535255" cy="6858000"/>
+            <a:off x="952500" y="0"/>
+            <a:ext cx="10287000" cy="6858000"/>
           </a:xfrm>
           <a:prstGeom prst="rect">
             <a:avLst/>
@@ -3993,7 +4030,7 @@
     </p:spTree>
     <p:extLst>
       <p:ext uri="{BB962C8B-B14F-4D97-AF65-F5344CB8AC3E}">
-        <p14:creationId xmlns:p14="http://schemas.microsoft.com/office/powerpoint/2010/main" val="3587992735"/>
+        <p14:creationId xmlns:p14="http://schemas.microsoft.com/office/powerpoint/2010/main" val="203492924"/>
       </p:ext>
     </p:extLst>
   </p:cSld>
@@ -4022,10 +4059,10 @@
       </p:grpSpPr>
       <p:pic>
         <p:nvPicPr>
-          <p:cNvPr id="3" name="Picture 2">
-            <a:extLst>
-              <a:ext uri="{FF2B5EF4-FFF2-40B4-BE49-F238E27FC236}">
-                <a16:creationId xmlns:a16="http://schemas.microsoft.com/office/drawing/2014/main" id="{8D247A2F-8BDE-4910-8728-52780CE11A02}"/>
+          <p:cNvPr id="4" name="Picture 3">
+            <a:extLst>
+              <a:ext uri="{FF2B5EF4-FFF2-40B4-BE49-F238E27FC236}">
+                <a16:creationId xmlns:a16="http://schemas.microsoft.com/office/drawing/2014/main" id="{BDA53092-AA55-4075-955A-6374A8B4C0D9}"/>
               </a:ext>
             </a:extLst>
           </p:cNvPr>
@@ -4048,8 +4085,8 @@
         </p:blipFill>
         <p:spPr>
           <a:xfrm>
-            <a:off x="209550" y="261157"/>
-            <a:ext cx="11772900" cy="6083553"/>
+            <a:off x="-1" y="0"/>
+            <a:ext cx="11535255" cy="6858000"/>
           </a:xfrm>
           <a:prstGeom prst="rect">
             <a:avLst/>
@@ -4059,7 +4096,7 @@
     </p:spTree>
     <p:extLst>
       <p:ext uri="{BB962C8B-B14F-4D97-AF65-F5344CB8AC3E}">
-        <p14:creationId xmlns:p14="http://schemas.microsoft.com/office/powerpoint/2010/main" val="3224077679"/>
+        <p14:creationId xmlns:p14="http://schemas.microsoft.com/office/powerpoint/2010/main" val="3587992735"/>
       </p:ext>
     </p:extLst>
   </p:cSld>
@@ -4091,7 +4128,7 @@
           <p:cNvPr id="3" name="Picture 2">
             <a:extLst>
               <a:ext uri="{FF2B5EF4-FFF2-40B4-BE49-F238E27FC236}">
-                <a16:creationId xmlns:a16="http://schemas.microsoft.com/office/drawing/2014/main" id="{974420A0-FFF4-49ED-9C5A-9602B68A96FE}"/>
+                <a16:creationId xmlns:a16="http://schemas.microsoft.com/office/drawing/2014/main" id="{8D247A2F-8BDE-4910-8728-52780CE11A02}"/>
               </a:ext>
             </a:extLst>
           </p:cNvPr>
@@ -4114,8 +4151,8 @@
         </p:blipFill>
         <p:spPr>
           <a:xfrm>
-            <a:off x="0" y="637820"/>
-            <a:ext cx="12192000" cy="5582359"/>
+            <a:off x="209550" y="261157"/>
+            <a:ext cx="11772900" cy="6083553"/>
           </a:xfrm>
           <a:prstGeom prst="rect">
             <a:avLst/>
@@ -4125,7 +4162,7 @@
     </p:spTree>
     <p:extLst>
       <p:ext uri="{BB962C8B-B14F-4D97-AF65-F5344CB8AC3E}">
-        <p14:creationId xmlns:p14="http://schemas.microsoft.com/office/powerpoint/2010/main" val="2814495161"/>
+        <p14:creationId xmlns:p14="http://schemas.microsoft.com/office/powerpoint/2010/main" val="3224077679"/>
       </p:ext>
     </p:extLst>
   </p:cSld>
@@ -4157,7 +4194,7 @@
           <p:cNvPr id="3" name="Picture 2">
             <a:extLst>
               <a:ext uri="{FF2B5EF4-FFF2-40B4-BE49-F238E27FC236}">
-                <a16:creationId xmlns:a16="http://schemas.microsoft.com/office/drawing/2014/main" id="{12343E4E-6CCB-454C-B18A-3603EF40A85B}"/>
+                <a16:creationId xmlns:a16="http://schemas.microsoft.com/office/drawing/2014/main" id="{974420A0-FFF4-49ED-9C5A-9602B68A96FE}"/>
               </a:ext>
             </a:extLst>
           </p:cNvPr>
@@ -4180,8 +4217,8 @@
         </p:blipFill>
         <p:spPr>
           <a:xfrm>
-            <a:off x="0" y="0"/>
-            <a:ext cx="12192000" cy="6732763"/>
+            <a:off x="0" y="637820"/>
+            <a:ext cx="12192000" cy="5582359"/>
           </a:xfrm>
           <a:prstGeom prst="rect">
             <a:avLst/>
@@ -4191,7 +4228,7 @@
     </p:spTree>
     <p:extLst>
       <p:ext uri="{BB962C8B-B14F-4D97-AF65-F5344CB8AC3E}">
-        <p14:creationId xmlns:p14="http://schemas.microsoft.com/office/powerpoint/2010/main" val="2256039507"/>
+        <p14:creationId xmlns:p14="http://schemas.microsoft.com/office/powerpoint/2010/main" val="2814495161"/>
       </p:ext>
     </p:extLst>
   </p:cSld>
@@ -4223,7 +4260,7 @@
           <p:cNvPr id="3" name="Picture 2">
             <a:extLst>
               <a:ext uri="{FF2B5EF4-FFF2-40B4-BE49-F238E27FC236}">
-                <a16:creationId xmlns:a16="http://schemas.microsoft.com/office/drawing/2014/main" id="{68114DAC-A168-4747-A870-44F843E32121}"/>
+                <a16:creationId xmlns:a16="http://schemas.microsoft.com/office/drawing/2014/main" id="{12343E4E-6CCB-454C-B18A-3603EF40A85B}"/>
               </a:ext>
             </a:extLst>
           </p:cNvPr>
@@ -4246,8 +4283,8 @@
         </p:blipFill>
         <p:spPr>
           <a:xfrm>
-            <a:off x="0" y="895485"/>
-            <a:ext cx="12192000" cy="5067030"/>
+            <a:off x="0" y="0"/>
+            <a:ext cx="12192000" cy="6732763"/>
           </a:xfrm>
           <a:prstGeom prst="rect">
             <a:avLst/>
@@ -4257,7 +4294,7 @@
     </p:spTree>
     <p:extLst>
       <p:ext uri="{BB962C8B-B14F-4D97-AF65-F5344CB8AC3E}">
-        <p14:creationId xmlns:p14="http://schemas.microsoft.com/office/powerpoint/2010/main" val="4068205207"/>
+        <p14:creationId xmlns:p14="http://schemas.microsoft.com/office/powerpoint/2010/main" val="2256039507"/>
       </p:ext>
     </p:extLst>
   </p:cSld>
@@ -4289,7 +4326,7 @@
           <p:cNvPr id="3" name="Picture 2">
             <a:extLst>
               <a:ext uri="{FF2B5EF4-FFF2-40B4-BE49-F238E27FC236}">
-                <a16:creationId xmlns:a16="http://schemas.microsoft.com/office/drawing/2014/main" id="{26E77F8A-ED31-4C7C-B20B-4CB58910C358}"/>
+                <a16:creationId xmlns:a16="http://schemas.microsoft.com/office/drawing/2014/main" id="{68114DAC-A168-4747-A870-44F843E32121}"/>
               </a:ext>
             </a:extLst>
           </p:cNvPr>
@@ -4312,8 +4349,8 @@
         </p:blipFill>
         <p:spPr>
           <a:xfrm>
-            <a:off x="0" y="1236497"/>
-            <a:ext cx="12192000" cy="4385006"/>
+            <a:off x="0" y="895485"/>
+            <a:ext cx="12192000" cy="5067030"/>
           </a:xfrm>
           <a:prstGeom prst="rect">
             <a:avLst/>
@@ -4323,7 +4360,7 @@
     </p:spTree>
     <p:extLst>
       <p:ext uri="{BB962C8B-B14F-4D97-AF65-F5344CB8AC3E}">
-        <p14:creationId xmlns:p14="http://schemas.microsoft.com/office/powerpoint/2010/main" val="4179663241"/>
+        <p14:creationId xmlns:p14="http://schemas.microsoft.com/office/powerpoint/2010/main" val="4068205207"/>
       </p:ext>
     </p:extLst>
   </p:cSld>
@@ -4350,46 +4387,46 @@
           <a:chExt cx="0" cy="0"/>
         </a:xfrm>
       </p:grpSpPr>
-      <p:sp>
-        <p:nvSpPr>
-          <p:cNvPr id="4" name="Title 1">
-            <a:extLst>
-              <a:ext uri="{FF2B5EF4-FFF2-40B4-BE49-F238E27FC236}">
-                <a16:creationId xmlns:a16="http://schemas.microsoft.com/office/drawing/2014/main" id="{612C71A2-8AC3-4812-A1F4-B2E83C374CC7}"/>
-              </a:ext>
-            </a:extLst>
-          </p:cNvPr>
-          <p:cNvSpPr>
-            <a:spLocks noGrp="1"/>
-          </p:cNvSpPr>
-          <p:nvPr>
-            <p:ph type="ctrTitle"/>
-          </p:nvPr>
-        </p:nvSpPr>
-        <p:spPr>
-          <a:xfrm>
-            <a:off x="1524000" y="1631042"/>
-            <a:ext cx="9144000" cy="2387600"/>
-          </a:xfrm>
-        </p:spPr>
-        <p:txBody>
-          <a:bodyPr/>
-          <a:lstStyle/>
-          <a:p>
-            <a:r>
-              <a:rPr lang="en-US" dirty="0">
-                <a:latin typeface="Arial" panose="020B0604020202020204" pitchFamily="34" charset="0"/>
-                <a:cs typeface="Arial" panose="020B0604020202020204" pitchFamily="34" charset="0"/>
-              </a:rPr>
-              <a:t>Connor’s Diagrams Here</a:t>
-            </a:r>
-          </a:p>
-        </p:txBody>
-      </p:sp>
+      <p:pic>
+        <p:nvPicPr>
+          <p:cNvPr id="3" name="Picture 2">
+            <a:extLst>
+              <a:ext uri="{FF2B5EF4-FFF2-40B4-BE49-F238E27FC236}">
+                <a16:creationId xmlns:a16="http://schemas.microsoft.com/office/drawing/2014/main" id="{26E77F8A-ED31-4C7C-B20B-4CB58910C358}"/>
+              </a:ext>
+            </a:extLst>
+          </p:cNvPr>
+          <p:cNvPicPr>
+            <a:picLocks noChangeAspect="1"/>
+          </p:cNvPicPr>
+          <p:nvPr/>
+        </p:nvPicPr>
+        <p:blipFill>
+          <a:blip r:embed="rId2">
+            <a:extLst>
+              <a:ext uri="{28A0092B-C50C-407E-A947-70E740481C1C}">
+                <a14:useLocalDpi xmlns:a14="http://schemas.microsoft.com/office/drawing/2010/main" val="0"/>
+              </a:ext>
+            </a:extLst>
+          </a:blip>
+          <a:stretch>
+            <a:fillRect/>
+          </a:stretch>
+        </p:blipFill>
+        <p:spPr>
+          <a:xfrm>
+            <a:off x="0" y="1236497"/>
+            <a:ext cx="12192000" cy="4385006"/>
+          </a:xfrm>
+          <a:prstGeom prst="rect">
+            <a:avLst/>
+          </a:prstGeom>
+        </p:spPr>
+      </p:pic>
     </p:spTree>
     <p:extLst>
       <p:ext uri="{BB962C8B-B14F-4D97-AF65-F5344CB8AC3E}">
-        <p14:creationId xmlns:p14="http://schemas.microsoft.com/office/powerpoint/2010/main" val="203492924"/>
+        <p14:creationId xmlns:p14="http://schemas.microsoft.com/office/powerpoint/2010/main" val="4179663241"/>
       </p:ext>
     </p:extLst>
   </p:cSld>
@@ -4484,10 +4521,10 @@
       </p:grpSpPr>
       <p:sp>
         <p:nvSpPr>
-          <p:cNvPr id="4" name="Title 1">
-            <a:extLst>
-              <a:ext uri="{FF2B5EF4-FFF2-40B4-BE49-F238E27FC236}">
-                <a16:creationId xmlns:a16="http://schemas.microsoft.com/office/drawing/2014/main" id="{612C71A2-8AC3-4812-A1F4-B2E83C374CC7}"/>
+          <p:cNvPr id="2" name="Title 1">
+            <a:extLst>
+              <a:ext uri="{FF2B5EF4-FFF2-40B4-BE49-F238E27FC236}">
+                <a16:creationId xmlns:a16="http://schemas.microsoft.com/office/drawing/2014/main" id="{8ABEEBB1-B274-4115-8943-C2168904E145}"/>
               </a:ext>
             </a:extLst>
           </p:cNvPr>
@@ -4498,26 +4535,51 @@
             <p:ph type="ctrTitle"/>
           </p:nvPr>
         </p:nvSpPr>
-        <p:spPr>
-          <a:xfrm>
-            <a:off x="1524000" y="1631042"/>
-            <a:ext cx="9144000" cy="2387600"/>
-          </a:xfrm>
-        </p:spPr>
+        <p:spPr/>
         <p:txBody>
           <a:bodyPr/>
           <a:lstStyle/>
           <a:p>
-            <a:r>
-              <a:rPr lang="en-US" dirty="0">
-                <a:latin typeface="Arial" panose="020B0604020202020204" pitchFamily="34" charset="0"/>
-                <a:cs typeface="Arial" panose="020B0604020202020204" pitchFamily="34" charset="0"/>
-              </a:rPr>
-              <a:t>Connor’s Diagrams Here</a:t>
-            </a:r>
-          </a:p>
-        </p:txBody>
-      </p:sp>
+            <a:endParaRPr lang="en-US"/>
+          </a:p>
+        </p:txBody>
+      </p:sp>
+      <p:pic>
+        <p:nvPicPr>
+          <p:cNvPr id="5" name="Picture 4">
+            <a:extLst>
+              <a:ext uri="{FF2B5EF4-FFF2-40B4-BE49-F238E27FC236}">
+                <a16:creationId xmlns:a16="http://schemas.microsoft.com/office/drawing/2014/main" id="{1FD89332-3284-4F45-A6CD-348BD6772E0F}"/>
+              </a:ext>
+            </a:extLst>
+          </p:cNvPr>
+          <p:cNvPicPr>
+            <a:picLocks noChangeAspect="1"/>
+          </p:cNvPicPr>
+          <p:nvPr/>
+        </p:nvPicPr>
+        <p:blipFill>
+          <a:blip r:embed="rId2">
+            <a:extLst>
+              <a:ext uri="{28A0092B-C50C-407E-A947-70E740481C1C}">
+                <a14:useLocalDpi xmlns:a14="http://schemas.microsoft.com/office/drawing/2010/main" val="0"/>
+              </a:ext>
+            </a:extLst>
+          </a:blip>
+          <a:stretch>
+            <a:fillRect/>
+          </a:stretch>
+        </p:blipFill>
+        <p:spPr>
+          <a:xfrm>
+            <a:off x="0" y="381000"/>
+            <a:ext cx="12192000" cy="6096000"/>
+          </a:xfrm>
+          <a:prstGeom prst="rect">
+            <a:avLst/>
+          </a:prstGeom>
+        </p:spPr>
+      </p:pic>
     </p:spTree>
     <p:extLst>
       <p:ext uri="{BB962C8B-B14F-4D97-AF65-F5344CB8AC3E}">
@@ -4550,10 +4612,10 @@
       </p:grpSpPr>
       <p:sp>
         <p:nvSpPr>
-          <p:cNvPr id="4" name="Title 1">
-            <a:extLst>
-              <a:ext uri="{FF2B5EF4-FFF2-40B4-BE49-F238E27FC236}">
-                <a16:creationId xmlns:a16="http://schemas.microsoft.com/office/drawing/2014/main" id="{612C71A2-8AC3-4812-A1F4-B2E83C374CC7}"/>
+          <p:cNvPr id="2" name="Title 1">
+            <a:extLst>
+              <a:ext uri="{FF2B5EF4-FFF2-40B4-BE49-F238E27FC236}">
+                <a16:creationId xmlns:a16="http://schemas.microsoft.com/office/drawing/2014/main" id="{031D9BDB-203F-45E9-A700-DED240C06E89}"/>
               </a:ext>
             </a:extLst>
           </p:cNvPr>
@@ -4564,26 +4626,51 @@
             <p:ph type="ctrTitle"/>
           </p:nvPr>
         </p:nvSpPr>
-        <p:spPr>
-          <a:xfrm>
-            <a:off x="1524000" y="1631042"/>
-            <a:ext cx="9144000" cy="2387600"/>
-          </a:xfrm>
-        </p:spPr>
+        <p:spPr/>
         <p:txBody>
           <a:bodyPr/>
           <a:lstStyle/>
           <a:p>
-            <a:r>
-              <a:rPr lang="en-US" dirty="0">
-                <a:latin typeface="Arial" panose="020B0604020202020204" pitchFamily="34" charset="0"/>
-                <a:cs typeface="Arial" panose="020B0604020202020204" pitchFamily="34" charset="0"/>
-              </a:rPr>
-              <a:t>Connor’s Diagrams Here</a:t>
-            </a:r>
-          </a:p>
-        </p:txBody>
-      </p:sp>
+            <a:endParaRPr lang="en-US"/>
+          </a:p>
+        </p:txBody>
+      </p:sp>
+      <p:pic>
+        <p:nvPicPr>
+          <p:cNvPr id="5" name="Picture 4">
+            <a:extLst>
+              <a:ext uri="{FF2B5EF4-FFF2-40B4-BE49-F238E27FC236}">
+                <a16:creationId xmlns:a16="http://schemas.microsoft.com/office/drawing/2014/main" id="{A77E2730-56EF-44EC-B70C-2FC736E4EE1A}"/>
+              </a:ext>
+            </a:extLst>
+          </p:cNvPr>
+          <p:cNvPicPr>
+            <a:picLocks noChangeAspect="1"/>
+          </p:cNvPicPr>
+          <p:nvPr/>
+        </p:nvPicPr>
+        <p:blipFill>
+          <a:blip r:embed="rId2">
+            <a:extLst>
+              <a:ext uri="{28A0092B-C50C-407E-A947-70E740481C1C}">
+                <a14:useLocalDpi xmlns:a14="http://schemas.microsoft.com/office/drawing/2010/main" val="0"/>
+              </a:ext>
+            </a:extLst>
+          </a:blip>
+          <a:stretch>
+            <a:fillRect/>
+          </a:stretch>
+        </p:blipFill>
+        <p:spPr>
+          <a:xfrm>
+            <a:off x="-5841" y="310244"/>
+            <a:ext cx="12121002" cy="5543208"/>
+          </a:xfrm>
+          <a:prstGeom prst="rect">
+            <a:avLst/>
+          </a:prstGeom>
+        </p:spPr>
+      </p:pic>
     </p:spTree>
     <p:extLst>
       <p:ext uri="{BB962C8B-B14F-4D97-AF65-F5344CB8AC3E}">
@@ -4680,12 +4767,51 @@
           <a:chExt cx="0" cy="0"/>
         </a:xfrm>
       </p:grpSpPr>
+      <p:sp>
+        <p:nvSpPr>
+          <p:cNvPr id="6" name="Title 1">
+            <a:extLst>
+              <a:ext uri="{FF2B5EF4-FFF2-40B4-BE49-F238E27FC236}">
+                <a16:creationId xmlns:a16="http://schemas.microsoft.com/office/drawing/2014/main" id="{14CE199E-A334-4225-BC06-5B940C476BA9}"/>
+              </a:ext>
+            </a:extLst>
+          </p:cNvPr>
+          <p:cNvSpPr>
+            <a:spLocks noGrp="1"/>
+          </p:cNvSpPr>
+          <p:nvPr>
+            <p:ph type="ctrTitle"/>
+          </p:nvPr>
+        </p:nvSpPr>
+        <p:spPr>
+          <a:xfrm>
+            <a:off x="359193" y="227358"/>
+            <a:ext cx="7451558" cy="2387600"/>
+          </a:xfrm>
+        </p:spPr>
+        <p:txBody>
+          <a:bodyPr anchor="t">
+            <a:normAutofit/>
+          </a:bodyPr>
+          <a:lstStyle/>
+          <a:p>
+            <a:pPr algn="l"/>
+            <a:r>
+              <a:rPr lang="en-US" sz="2800" dirty="0">
+                <a:latin typeface="Arial" panose="020B0604020202020204" pitchFamily="34" charset="0"/>
+                <a:cs typeface="Arial" panose="020B0604020202020204" pitchFamily="34" charset="0"/>
+              </a:rPr>
+              <a:t>BCC Application</a:t>
+            </a:r>
+          </a:p>
+        </p:txBody>
+      </p:sp>
       <p:pic>
         <p:nvPicPr>
-          <p:cNvPr id="5" name="Picture 4">
-            <a:extLst>
-              <a:ext uri="{FF2B5EF4-FFF2-40B4-BE49-F238E27FC236}">
-                <a16:creationId xmlns:a16="http://schemas.microsoft.com/office/drawing/2014/main" id="{C5DC9F8C-8007-4C61-B629-DF6D3660D869}"/>
+          <p:cNvPr id="2" name="Picture 1">
+            <a:extLst>
+              <a:ext uri="{FF2B5EF4-FFF2-40B4-BE49-F238E27FC236}">
+                <a16:creationId xmlns:a16="http://schemas.microsoft.com/office/drawing/2014/main" id="{8FB4D93E-BEA7-4922-9CBD-2B0757326CF6}"/>
               </a:ext>
             </a:extLst>
           </p:cNvPr>
@@ -4695,66 +4821,21 @@
           <p:nvPr/>
         </p:nvPicPr>
         <p:blipFill>
-          <a:blip r:embed="rId2">
-            <a:extLst>
-              <a:ext uri="{28A0092B-C50C-407E-A947-70E740481C1C}">
-                <a14:useLocalDpi xmlns:a14="http://schemas.microsoft.com/office/drawing/2010/main" val="0"/>
-              </a:ext>
-            </a:extLst>
-          </a:blip>
+          <a:blip r:embed="rId2"/>
           <a:stretch>
             <a:fillRect/>
           </a:stretch>
         </p:blipFill>
         <p:spPr>
           <a:xfrm>
-            <a:off x="359193" y="0"/>
-            <a:ext cx="11473613" cy="6869940"/>
+            <a:off x="699751" y="808383"/>
+            <a:ext cx="11492249" cy="6049617"/>
           </a:xfrm>
           <a:prstGeom prst="rect">
             <a:avLst/>
           </a:prstGeom>
         </p:spPr>
       </p:pic>
-      <p:sp>
-        <p:nvSpPr>
-          <p:cNvPr id="6" name="Title 1">
-            <a:extLst>
-              <a:ext uri="{FF2B5EF4-FFF2-40B4-BE49-F238E27FC236}">
-                <a16:creationId xmlns:a16="http://schemas.microsoft.com/office/drawing/2014/main" id="{14CE199E-A334-4225-BC06-5B940C476BA9}"/>
-              </a:ext>
-            </a:extLst>
-          </p:cNvPr>
-          <p:cNvSpPr>
-            <a:spLocks noGrp="1"/>
-          </p:cNvSpPr>
-          <p:nvPr>
-            <p:ph type="ctrTitle"/>
-          </p:nvPr>
-        </p:nvSpPr>
-        <p:spPr>
-          <a:xfrm>
-            <a:off x="359193" y="227358"/>
-            <a:ext cx="7451558" cy="2387600"/>
-          </a:xfrm>
-        </p:spPr>
-        <p:txBody>
-          <a:bodyPr anchor="t">
-            <a:normAutofit/>
-          </a:bodyPr>
-          <a:lstStyle/>
-          <a:p>
-            <a:pPr algn="l"/>
-            <a:r>
-              <a:rPr lang="en-US" sz="2800" dirty="0">
-                <a:latin typeface="Arial" panose="020B0604020202020204" pitchFamily="34" charset="0"/>
-                <a:cs typeface="Arial" panose="020B0604020202020204" pitchFamily="34" charset="0"/>
-              </a:rPr>
-              <a:t>BCC Application</a:t>
-            </a:r>
-          </a:p>
-        </p:txBody>
-      </p:sp>
     </p:spTree>
     <p:extLst>
       <p:ext uri="{BB962C8B-B14F-4D97-AF65-F5344CB8AC3E}">
@@ -4853,10 +4934,10 @@
       </p:grpSpPr>
       <p:pic>
         <p:nvPicPr>
-          <p:cNvPr id="3" name="Picture 2">
-            <a:extLst>
-              <a:ext uri="{FF2B5EF4-FFF2-40B4-BE49-F238E27FC236}">
-                <a16:creationId xmlns:a16="http://schemas.microsoft.com/office/drawing/2014/main" id="{6545DB93-0C50-4067-B4A7-01A82C57AEC5}"/>
+          <p:cNvPr id="4" name="Picture 3">
+            <a:extLst>
+              <a:ext uri="{FF2B5EF4-FFF2-40B4-BE49-F238E27FC236}">
+                <a16:creationId xmlns:a16="http://schemas.microsoft.com/office/drawing/2014/main" id="{59EE0360-F386-480E-B761-602F01F31A74}"/>
               </a:ext>
             </a:extLst>
           </p:cNvPr>
@@ -4879,8 +4960,8 @@
         </p:blipFill>
         <p:spPr>
           <a:xfrm>
-            <a:off x="84886" y="151942"/>
-            <a:ext cx="12022228" cy="6554115"/>
+            <a:off x="194439" y="299601"/>
+            <a:ext cx="11803122" cy="6258798"/>
           </a:xfrm>
           <a:prstGeom prst="rect">
             <a:avLst/>
@@ -6031,44 +6112,6 @@
       </p:grpSpPr>
       <p:sp>
         <p:nvSpPr>
-          <p:cNvPr id="4" name="Title 1">
-            <a:extLst>
-              <a:ext uri="{FF2B5EF4-FFF2-40B4-BE49-F238E27FC236}">
-                <a16:creationId xmlns:a16="http://schemas.microsoft.com/office/drawing/2014/main" id="{612C71A2-8AC3-4812-A1F4-B2E83C374CC7}"/>
-              </a:ext>
-            </a:extLst>
-          </p:cNvPr>
-          <p:cNvSpPr>
-            <a:spLocks noGrp="1"/>
-          </p:cNvSpPr>
-          <p:nvPr>
-            <p:ph type="ctrTitle"/>
-          </p:nvPr>
-        </p:nvSpPr>
-        <p:spPr>
-          <a:xfrm>
-            <a:off x="130628" y="555170"/>
-            <a:ext cx="11821885" cy="1779816"/>
-          </a:xfrm>
-        </p:spPr>
-        <p:txBody>
-          <a:bodyPr>
-            <a:normAutofit/>
-          </a:bodyPr>
-          <a:lstStyle/>
-          <a:p>
-            <a:r>
-              <a:rPr lang="en-US" dirty="0">
-                <a:latin typeface="Arial" panose="020B0604020202020204" pitchFamily="34" charset="0"/>
-                <a:cs typeface="Arial" panose="020B0604020202020204" pitchFamily="34" charset="0"/>
-              </a:rPr>
-              <a:t>Document some issues we’ve been having</a:t>
-            </a:r>
-          </a:p>
-        </p:txBody>
-      </p:sp>
-      <p:sp>
-        <p:nvSpPr>
           <p:cNvPr id="3" name="TextBox 2">
             <a:extLst>
               <a:ext uri="{FF2B5EF4-FFF2-40B4-BE49-F238E27FC236}">
@@ -6117,6 +6160,36 @@
           </a:p>
         </p:txBody>
       </p:sp>
+      <p:pic>
+        <p:nvPicPr>
+          <p:cNvPr id="2" name="Picture 1">
+            <a:extLst>
+              <a:ext uri="{FF2B5EF4-FFF2-40B4-BE49-F238E27FC236}">
+                <a16:creationId xmlns:a16="http://schemas.microsoft.com/office/drawing/2014/main" id="{8CE09C53-203D-4E72-BC5E-9FE64441FD9D}"/>
+              </a:ext>
+            </a:extLst>
+          </p:cNvPr>
+          <p:cNvPicPr>
+            <a:picLocks noChangeAspect="1"/>
+          </p:cNvPicPr>
+          <p:nvPr/>
+        </p:nvPicPr>
+        <p:blipFill>
+          <a:blip r:embed="rId3"/>
+          <a:stretch>
+            <a:fillRect/>
+          </a:stretch>
+        </p:blipFill>
+        <p:spPr>
+          <a:xfrm>
+            <a:off x="1409700" y="0"/>
+            <a:ext cx="9372600" cy="6410325"/>
+          </a:xfrm>
+          <a:prstGeom prst="rect">
+            <a:avLst/>
+          </a:prstGeom>
+        </p:spPr>
+      </p:pic>
     </p:spTree>
     <p:extLst>
       <p:ext uri="{BB962C8B-B14F-4D97-AF65-F5344CB8AC3E}">
@@ -6333,7 +6406,7 @@
                 <a:latin typeface="Arial" panose="020B0604020202020204" pitchFamily="34" charset="0"/>
                 <a:cs typeface="Arial" panose="020B0604020202020204" pitchFamily="34" charset="0"/>
               </a:rPr>
-              <a:t>Mark Fuller: 33.4%</a:t>
+              <a:t>Mark Fuller: 36.0%</a:t>
             </a:r>
           </a:p>
           <a:p>
@@ -6362,7 +6435,7 @@
                 <a:latin typeface="Arial" panose="020B0604020202020204" pitchFamily="34" charset="0"/>
                 <a:cs typeface="Arial" panose="020B0604020202020204" pitchFamily="34" charset="0"/>
               </a:rPr>
-              <a:t>: 33.3%</a:t>
+              <a:t>: 36.0%</a:t>
             </a:r>
           </a:p>
           <a:p>
@@ -6384,14 +6457,14 @@
                 <a:latin typeface="Arial" panose="020B0604020202020204" pitchFamily="34" charset="0"/>
                 <a:cs typeface="Arial" panose="020B0604020202020204" pitchFamily="34" charset="0"/>
               </a:rPr>
-              <a:t>Wookahl</a:t>
+              <a:t>Woodahl</a:t>
             </a:r>
             <a:r>
               <a:rPr lang="en-US" sz="3200" dirty="0">
                 <a:latin typeface="Arial" panose="020B0604020202020204" pitchFamily="34" charset="0"/>
                 <a:cs typeface="Arial" panose="020B0604020202020204" pitchFamily="34" charset="0"/>
               </a:rPr>
-              <a:t>: 33.3%</a:t>
+              <a:t>: 28.0%</a:t>
             </a:r>
           </a:p>
         </p:txBody>
@@ -6495,17 +6568,7 @@
                 <a:latin typeface="Arial" panose="020B0604020202020204" pitchFamily="34" charset="0"/>
                 <a:cs typeface="Arial" panose="020B0604020202020204" pitchFamily="34" charset="0"/>
               </a:rPr>
-              <a:t>Mark Fuller: </a:t>
-            </a:r>
-            <a:r>
-              <a:rPr lang="en-US" sz="3200" dirty="0">
-                <a:solidFill>
-                  <a:srgbClr val="FF0000"/>
-                </a:solidFill>
-                <a:latin typeface="Arial" panose="020B0604020202020204" pitchFamily="34" charset="0"/>
-                <a:cs typeface="Arial" panose="020B0604020202020204" pitchFamily="34" charset="0"/>
-              </a:rPr>
-              <a:t>Please Fill In</a:t>
+              <a:t>Mark Fuller: 30 hours</a:t>
             </a:r>
           </a:p>
           <a:p>
@@ -6563,17 +6626,7 @@
                 <a:latin typeface="Arial" panose="020B0604020202020204" pitchFamily="34" charset="0"/>
                 <a:cs typeface="Arial" panose="020B0604020202020204" pitchFamily="34" charset="0"/>
               </a:rPr>
-              <a:t>: </a:t>
-            </a:r>
-            <a:r>
-              <a:rPr lang="en-US" sz="3200" dirty="0">
-                <a:solidFill>
-                  <a:srgbClr val="FF0000"/>
-                </a:solidFill>
-                <a:latin typeface="Arial" panose="020B0604020202020204" pitchFamily="34" charset="0"/>
-                <a:cs typeface="Arial" panose="020B0604020202020204" pitchFamily="34" charset="0"/>
-              </a:rPr>
-              <a:t>Please Fill In</a:t>
+              <a:t>: 25 hours</a:t>
             </a:r>
           </a:p>
         </p:txBody>
